--- a/CuoiKy/CuoiKy.pptx
+++ b/CuoiKy/CuoiKy.pptx
@@ -262,7 +262,7 @@
           <a:p>
             <a:fld id="{CF1D1E02-21AE-4620-A585-BC3A1FB8A3F1}" type="datetimeFigureOut">
               <a:rPr lang="en-US" smtClean="0"/>
-              <a:t>5/9/2023</a:t>
+              <a:t>5/10/2023</a:t>
             </a:fld>
             <a:endParaRPr lang="en-US"/>
           </a:p>
@@ -432,7 +432,7 @@
           <a:p>
             <a:fld id="{CF1D1E02-21AE-4620-A585-BC3A1FB8A3F1}" type="datetimeFigureOut">
               <a:rPr lang="en-US" smtClean="0"/>
-              <a:t>5/9/2023</a:t>
+              <a:t>5/10/2023</a:t>
             </a:fld>
             <a:endParaRPr lang="en-US"/>
           </a:p>
@@ -612,7 +612,7 @@
           <a:p>
             <a:fld id="{CF1D1E02-21AE-4620-A585-BC3A1FB8A3F1}" type="datetimeFigureOut">
               <a:rPr lang="en-US" smtClean="0"/>
-              <a:t>5/9/2023</a:t>
+              <a:t>5/10/2023</a:t>
             </a:fld>
             <a:endParaRPr lang="en-US"/>
           </a:p>
@@ -782,7 +782,7 @@
           <a:p>
             <a:fld id="{CF1D1E02-21AE-4620-A585-BC3A1FB8A3F1}" type="datetimeFigureOut">
               <a:rPr lang="en-US" smtClean="0"/>
-              <a:t>5/9/2023</a:t>
+              <a:t>5/10/2023</a:t>
             </a:fld>
             <a:endParaRPr lang="en-US"/>
           </a:p>
@@ -1028,7 +1028,7 @@
           <a:p>
             <a:fld id="{CF1D1E02-21AE-4620-A585-BC3A1FB8A3F1}" type="datetimeFigureOut">
               <a:rPr lang="en-US" smtClean="0"/>
-              <a:t>5/9/2023</a:t>
+              <a:t>5/10/2023</a:t>
             </a:fld>
             <a:endParaRPr lang="en-US"/>
           </a:p>
@@ -1260,7 +1260,7 @@
           <a:p>
             <a:fld id="{CF1D1E02-21AE-4620-A585-BC3A1FB8A3F1}" type="datetimeFigureOut">
               <a:rPr lang="en-US" smtClean="0"/>
-              <a:t>5/9/2023</a:t>
+              <a:t>5/10/2023</a:t>
             </a:fld>
             <a:endParaRPr lang="en-US"/>
           </a:p>
@@ -1627,7 +1627,7 @@
           <a:p>
             <a:fld id="{CF1D1E02-21AE-4620-A585-BC3A1FB8A3F1}" type="datetimeFigureOut">
               <a:rPr lang="en-US" smtClean="0"/>
-              <a:t>5/9/2023</a:t>
+              <a:t>5/10/2023</a:t>
             </a:fld>
             <a:endParaRPr lang="en-US"/>
           </a:p>
@@ -1745,7 +1745,7 @@
           <a:p>
             <a:fld id="{CF1D1E02-21AE-4620-A585-BC3A1FB8A3F1}" type="datetimeFigureOut">
               <a:rPr lang="en-US" smtClean="0"/>
-              <a:t>5/9/2023</a:t>
+              <a:t>5/10/2023</a:t>
             </a:fld>
             <a:endParaRPr lang="en-US"/>
           </a:p>
@@ -1840,7 +1840,7 @@
           <a:p>
             <a:fld id="{CF1D1E02-21AE-4620-A585-BC3A1FB8A3F1}" type="datetimeFigureOut">
               <a:rPr lang="en-US" smtClean="0"/>
-              <a:t>5/9/2023</a:t>
+              <a:t>5/10/2023</a:t>
             </a:fld>
             <a:endParaRPr lang="en-US"/>
           </a:p>
@@ -2117,7 +2117,7 @@
           <a:p>
             <a:fld id="{CF1D1E02-21AE-4620-A585-BC3A1FB8A3F1}" type="datetimeFigureOut">
               <a:rPr lang="en-US" smtClean="0"/>
-              <a:t>5/9/2023</a:t>
+              <a:t>5/10/2023</a:t>
             </a:fld>
             <a:endParaRPr lang="en-US"/>
           </a:p>
@@ -2370,7 +2370,7 @@
           <a:p>
             <a:fld id="{CF1D1E02-21AE-4620-A585-BC3A1FB8A3F1}" type="datetimeFigureOut">
               <a:rPr lang="en-US" smtClean="0"/>
-              <a:t>5/9/2023</a:t>
+              <a:t>5/10/2023</a:t>
             </a:fld>
             <a:endParaRPr lang="en-US"/>
           </a:p>
@@ -2592,7 +2592,7 @@
           <a:p>
             <a:fld id="{CF1D1E02-21AE-4620-A585-BC3A1FB8A3F1}" type="datetimeFigureOut">
               <a:rPr lang="en-US" smtClean="0"/>
-              <a:t>5/9/2023</a:t>
+              <a:t>5/10/2023</a:t>
             </a:fld>
             <a:endParaRPr lang="en-US"/>
           </a:p>
@@ -7718,6 +7718,13 @@
               </a:rPr>
               <a:t>dạy</a:t>
             </a:r>
+            <a:r>
+              <a:rPr lang="en-US" sz="2800" dirty="0" smtClean="0">
+                <a:latin typeface="Times New Roman" panose="02020603050405020304" pitchFamily="18" charset="0"/>
+                <a:cs typeface="Times New Roman" panose="02020603050405020304" pitchFamily="18" charset="0"/>
+              </a:rPr>
+              <a:t>.</a:t>
+            </a:r>
             <a:endParaRPr lang="en-US" sz="2800" dirty="0">
               <a:latin typeface="Times New Roman" panose="02020603050405020304" pitchFamily="18" charset="0"/>
               <a:cs typeface="Times New Roman" panose="02020603050405020304" pitchFamily="18" charset="0"/>
@@ -7780,6 +7787,20 @@
                 <a:latin typeface="Times New Roman" panose="02020603050405020304" pitchFamily="18" charset="0"/>
                 <a:cs typeface="Times New Roman" panose="02020603050405020304" pitchFamily="18" charset="0"/>
               </a:rPr>
+              <a:t>viên</a:t>
+            </a:r>
+            <a:r>
+              <a:rPr lang="en-US" sz="2800" dirty="0" smtClean="0">
+                <a:latin typeface="Times New Roman" panose="02020603050405020304" pitchFamily="18" charset="0"/>
+                <a:cs typeface="Times New Roman" panose="02020603050405020304" pitchFamily="18" charset="0"/>
+              </a:rPr>
+              <a:t> </a:t>
+            </a:r>
+            <a:r>
+              <a:rPr lang="en-US" sz="2800" dirty="0" err="1" smtClean="0">
+                <a:latin typeface="Times New Roman" panose="02020603050405020304" pitchFamily="18" charset="0"/>
+                <a:cs typeface="Times New Roman" panose="02020603050405020304" pitchFamily="18" charset="0"/>
+              </a:rPr>
               <a:t>có</a:t>
             </a:r>
             <a:r>
@@ -7837,6 +7858,13 @@
                 <a:cs typeface="Times New Roman" panose="02020603050405020304" pitchFamily="18" charset="0"/>
               </a:rPr>
               <a:t>lớp</a:t>
+            </a:r>
+            <a:r>
+              <a:rPr lang="en-US" sz="2800" dirty="0" smtClean="0">
+                <a:latin typeface="Times New Roman" panose="02020603050405020304" pitchFamily="18" charset="0"/>
+                <a:cs typeface="Times New Roman" panose="02020603050405020304" pitchFamily="18" charset="0"/>
+              </a:rPr>
+              <a:t>.</a:t>
             </a:r>
             <a:endParaRPr lang="en-US" sz="2800" dirty="0">
               <a:latin typeface="Times New Roman" panose="02020603050405020304" pitchFamily="18" charset="0"/>
@@ -7931,6 +7959,305 @@
               <a:solidFill>
                 <a:srgbClr val="FF0000"/>
               </a:solidFill>
+              <a:latin typeface="Times New Roman" panose="02020603050405020304" pitchFamily="18" charset="0"/>
+              <a:cs typeface="Times New Roman" panose="02020603050405020304" pitchFamily="18" charset="0"/>
+            </a:endParaRPr>
+          </a:p>
+        </p:txBody>
+      </p:sp>
+      <p:sp>
+        <p:nvSpPr>
+          <p:cNvPr id="4" name="TextBox 3"/>
+          <p:cNvSpPr txBox="1"/>
+          <p:nvPr/>
+        </p:nvSpPr>
+        <p:spPr>
+          <a:xfrm>
+            <a:off x="1117600" y="4525818"/>
+            <a:ext cx="7296727" cy="523220"/>
+          </a:xfrm>
+          <a:prstGeom prst="rect">
+            <a:avLst/>
+          </a:prstGeom>
+          <a:noFill/>
+        </p:spPr>
+        <p:txBody>
+          <a:bodyPr wrap="square" rtlCol="0">
+            <a:spAutoFit/>
+          </a:bodyPr>
+          <a:lstStyle/>
+          <a:p>
+            <a:r>
+              <a:rPr lang="en-US" sz="2800" dirty="0" err="1" smtClean="0">
+                <a:latin typeface="Times New Roman" panose="02020603050405020304" pitchFamily="18" charset="0"/>
+                <a:ea typeface="Tahoma" panose="020B0604030504040204" pitchFamily="34" charset="0"/>
+                <a:cs typeface="Times New Roman" panose="02020603050405020304" pitchFamily="18" charset="0"/>
+              </a:rPr>
+              <a:t>Tổng</a:t>
+            </a:r>
+            <a:r>
+              <a:rPr lang="en-US" sz="2800" dirty="0" smtClean="0">
+                <a:latin typeface="Times New Roman" panose="02020603050405020304" pitchFamily="18" charset="0"/>
+                <a:ea typeface="Tahoma" panose="020B0604030504040204" pitchFamily="34" charset="0"/>
+                <a:cs typeface="Times New Roman" panose="02020603050405020304" pitchFamily="18" charset="0"/>
+              </a:rPr>
+              <a:t> </a:t>
+            </a:r>
+            <a:r>
+              <a:rPr lang="en-US" sz="2800" dirty="0" err="1" smtClean="0">
+                <a:latin typeface="Times New Roman" panose="02020603050405020304" pitchFamily="18" charset="0"/>
+                <a:ea typeface="Tahoma" panose="020B0604030504040204" pitchFamily="34" charset="0"/>
+                <a:cs typeface="Times New Roman" panose="02020603050405020304" pitchFamily="18" charset="0"/>
+              </a:rPr>
+              <a:t>số</a:t>
+            </a:r>
+            <a:r>
+              <a:rPr lang="en-US" sz="2800" dirty="0" smtClean="0">
+                <a:latin typeface="Times New Roman" panose="02020603050405020304" pitchFamily="18" charset="0"/>
+                <a:ea typeface="Tahoma" panose="020B0604030504040204" pitchFamily="34" charset="0"/>
+                <a:cs typeface="Times New Roman" panose="02020603050405020304" pitchFamily="18" charset="0"/>
+              </a:rPr>
+              <a:t> </a:t>
+            </a:r>
+            <a:r>
+              <a:rPr lang="en-US" sz="2800" dirty="0" err="1" smtClean="0">
+                <a:latin typeface="Times New Roman" panose="02020603050405020304" pitchFamily="18" charset="0"/>
+                <a:ea typeface="Tahoma" panose="020B0604030504040204" pitchFamily="34" charset="0"/>
+                <a:cs typeface="Times New Roman" panose="02020603050405020304" pitchFamily="18" charset="0"/>
+              </a:rPr>
+              <a:t>tiết</a:t>
+            </a:r>
+            <a:r>
+              <a:rPr lang="en-US" sz="2800" dirty="0" smtClean="0">
+                <a:latin typeface="Times New Roman" panose="02020603050405020304" pitchFamily="18" charset="0"/>
+                <a:ea typeface="Tahoma" panose="020B0604030504040204" pitchFamily="34" charset="0"/>
+                <a:cs typeface="Times New Roman" panose="02020603050405020304" pitchFamily="18" charset="0"/>
+              </a:rPr>
+              <a:t> </a:t>
+            </a:r>
+            <a:r>
+              <a:rPr lang="en-US" sz="2800" dirty="0" err="1" smtClean="0">
+                <a:latin typeface="Times New Roman" panose="02020603050405020304" pitchFamily="18" charset="0"/>
+                <a:ea typeface="Tahoma" panose="020B0604030504040204" pitchFamily="34" charset="0"/>
+                <a:cs typeface="Times New Roman" panose="02020603050405020304" pitchFamily="18" charset="0"/>
+              </a:rPr>
+              <a:t>giáo</a:t>
+            </a:r>
+            <a:r>
+              <a:rPr lang="en-US" sz="2800" dirty="0" smtClean="0">
+                <a:latin typeface="Times New Roman" panose="02020603050405020304" pitchFamily="18" charset="0"/>
+                <a:ea typeface="Tahoma" panose="020B0604030504040204" pitchFamily="34" charset="0"/>
+                <a:cs typeface="Times New Roman" panose="02020603050405020304" pitchFamily="18" charset="0"/>
+              </a:rPr>
+              <a:t> </a:t>
+            </a:r>
+            <a:r>
+              <a:rPr lang="en-US" sz="2800" dirty="0" err="1" smtClean="0">
+                <a:latin typeface="Times New Roman" panose="02020603050405020304" pitchFamily="18" charset="0"/>
+                <a:ea typeface="Tahoma" panose="020B0604030504040204" pitchFamily="34" charset="0"/>
+                <a:cs typeface="Times New Roman" panose="02020603050405020304" pitchFamily="18" charset="0"/>
+              </a:rPr>
+              <a:t>viên</a:t>
+            </a:r>
+            <a:r>
+              <a:rPr lang="en-US" sz="2800" dirty="0" smtClean="0">
+                <a:latin typeface="Times New Roman" panose="02020603050405020304" pitchFamily="18" charset="0"/>
+                <a:ea typeface="Tahoma" panose="020B0604030504040204" pitchFamily="34" charset="0"/>
+                <a:cs typeface="Times New Roman" panose="02020603050405020304" pitchFamily="18" charset="0"/>
+              </a:rPr>
+              <a:t> </a:t>
+            </a:r>
+            <a:r>
+              <a:rPr lang="en-US" sz="2800" dirty="0" err="1" smtClean="0">
+                <a:latin typeface="Times New Roman" panose="02020603050405020304" pitchFamily="18" charset="0"/>
+                <a:ea typeface="Tahoma" panose="020B0604030504040204" pitchFamily="34" charset="0"/>
+                <a:cs typeface="Times New Roman" panose="02020603050405020304" pitchFamily="18" charset="0"/>
+              </a:rPr>
+              <a:t>dạy</a:t>
+            </a:r>
+            <a:r>
+              <a:rPr lang="en-US" sz="2800" dirty="0" smtClean="0">
+                <a:latin typeface="Times New Roman" panose="02020603050405020304" pitchFamily="18" charset="0"/>
+                <a:ea typeface="Tahoma" panose="020B0604030504040204" pitchFamily="34" charset="0"/>
+                <a:cs typeface="Times New Roman" panose="02020603050405020304" pitchFamily="18" charset="0"/>
+              </a:rPr>
+              <a:t> </a:t>
+            </a:r>
+            <a:r>
+              <a:rPr lang="en-US" sz="2800" dirty="0" err="1" smtClean="0">
+                <a:latin typeface="Times New Roman" panose="02020603050405020304" pitchFamily="18" charset="0"/>
+                <a:ea typeface="Tahoma" panose="020B0604030504040204" pitchFamily="34" charset="0"/>
+                <a:cs typeface="Times New Roman" panose="02020603050405020304" pitchFamily="18" charset="0"/>
+              </a:rPr>
+              <a:t>trong</a:t>
+            </a:r>
+            <a:r>
+              <a:rPr lang="en-US" sz="2800" dirty="0" smtClean="0">
+                <a:latin typeface="Times New Roman" panose="02020603050405020304" pitchFamily="18" charset="0"/>
+                <a:ea typeface="Tahoma" panose="020B0604030504040204" pitchFamily="34" charset="0"/>
+                <a:cs typeface="Times New Roman" panose="02020603050405020304" pitchFamily="18" charset="0"/>
+              </a:rPr>
+              <a:t> </a:t>
+            </a:r>
+            <a:r>
+              <a:rPr lang="en-US" sz="2800" dirty="0" err="1" smtClean="0">
+                <a:latin typeface="Times New Roman" panose="02020603050405020304" pitchFamily="18" charset="0"/>
+                <a:ea typeface="Tahoma" panose="020B0604030504040204" pitchFamily="34" charset="0"/>
+                <a:cs typeface="Times New Roman" panose="02020603050405020304" pitchFamily="18" charset="0"/>
+              </a:rPr>
+              <a:t>tuần</a:t>
+            </a:r>
+            <a:r>
+              <a:rPr lang="en-US" sz="2800" dirty="0" smtClean="0">
+                <a:latin typeface="Times New Roman" panose="02020603050405020304" pitchFamily="18" charset="0"/>
+                <a:ea typeface="Tahoma" panose="020B0604030504040204" pitchFamily="34" charset="0"/>
+                <a:cs typeface="Times New Roman" panose="02020603050405020304" pitchFamily="18" charset="0"/>
+              </a:rPr>
+              <a:t>.</a:t>
+            </a:r>
+            <a:endParaRPr lang="en-US" sz="2800" dirty="0">
+              <a:latin typeface="Times New Roman" panose="02020603050405020304" pitchFamily="18" charset="0"/>
+              <a:ea typeface="Tahoma" panose="020B0604030504040204" pitchFamily="34" charset="0"/>
+              <a:cs typeface="Times New Roman" panose="02020603050405020304" pitchFamily="18" charset="0"/>
+            </a:endParaRPr>
+          </a:p>
+        </p:txBody>
+      </p:sp>
+      <p:sp>
+        <p:nvSpPr>
+          <p:cNvPr id="5" name="TextBox 4"/>
+          <p:cNvSpPr txBox="1"/>
+          <p:nvPr/>
+        </p:nvSpPr>
+        <p:spPr>
+          <a:xfrm>
+            <a:off x="1117600" y="5265811"/>
+            <a:ext cx="6096000" cy="523220"/>
+          </a:xfrm>
+          <a:prstGeom prst="rect">
+            <a:avLst/>
+          </a:prstGeom>
+          <a:noFill/>
+        </p:spPr>
+        <p:txBody>
+          <a:bodyPr wrap="square" rtlCol="0">
+            <a:spAutoFit/>
+          </a:bodyPr>
+          <a:lstStyle/>
+          <a:p>
+            <a:r>
+              <a:rPr lang="en-US" sz="2800" dirty="0" err="1" smtClean="0">
+                <a:latin typeface="Times New Roman" panose="02020603050405020304" pitchFamily="18" charset="0"/>
+                <a:cs typeface="Times New Roman" panose="02020603050405020304" pitchFamily="18" charset="0"/>
+              </a:rPr>
+              <a:t>Ưu</a:t>
+            </a:r>
+            <a:r>
+              <a:rPr lang="en-US" sz="2800" dirty="0" smtClean="0">
+                <a:latin typeface="Times New Roman" panose="02020603050405020304" pitchFamily="18" charset="0"/>
+                <a:cs typeface="Times New Roman" panose="02020603050405020304" pitchFamily="18" charset="0"/>
+              </a:rPr>
+              <a:t> </a:t>
+            </a:r>
+            <a:r>
+              <a:rPr lang="en-US" sz="2800" dirty="0" err="1" smtClean="0">
+                <a:latin typeface="Times New Roman" panose="02020603050405020304" pitchFamily="18" charset="0"/>
+                <a:cs typeface="Times New Roman" panose="02020603050405020304" pitchFamily="18" charset="0"/>
+              </a:rPr>
+              <a:t>tiên</a:t>
+            </a:r>
+            <a:r>
+              <a:rPr lang="en-US" sz="2800" dirty="0" smtClean="0">
+                <a:latin typeface="Times New Roman" panose="02020603050405020304" pitchFamily="18" charset="0"/>
+                <a:cs typeface="Times New Roman" panose="02020603050405020304" pitchFamily="18" charset="0"/>
+              </a:rPr>
+              <a:t> </a:t>
+            </a:r>
+            <a:r>
+              <a:rPr lang="en-US" sz="2800" dirty="0" err="1" smtClean="0">
+                <a:latin typeface="Times New Roman" panose="02020603050405020304" pitchFamily="18" charset="0"/>
+                <a:cs typeface="Times New Roman" panose="02020603050405020304" pitchFamily="18" charset="0"/>
+              </a:rPr>
+              <a:t>chọn</a:t>
+            </a:r>
+            <a:r>
+              <a:rPr lang="en-US" sz="2800" dirty="0" smtClean="0">
+                <a:latin typeface="Times New Roman" panose="02020603050405020304" pitchFamily="18" charset="0"/>
+                <a:cs typeface="Times New Roman" panose="02020603050405020304" pitchFamily="18" charset="0"/>
+              </a:rPr>
+              <a:t> </a:t>
+            </a:r>
+            <a:r>
+              <a:rPr lang="en-US" sz="2800" dirty="0" err="1" smtClean="0">
+                <a:latin typeface="Times New Roman" panose="02020603050405020304" pitchFamily="18" charset="0"/>
+                <a:cs typeface="Times New Roman" panose="02020603050405020304" pitchFamily="18" charset="0"/>
+              </a:rPr>
+              <a:t>tiết</a:t>
+            </a:r>
+            <a:r>
+              <a:rPr lang="en-US" sz="2800" dirty="0" smtClean="0">
+                <a:latin typeface="Times New Roman" panose="02020603050405020304" pitchFamily="18" charset="0"/>
+                <a:cs typeface="Times New Roman" panose="02020603050405020304" pitchFamily="18" charset="0"/>
+              </a:rPr>
+              <a:t> </a:t>
+            </a:r>
+            <a:r>
+              <a:rPr lang="en-US" sz="2800" dirty="0" err="1" smtClean="0">
+                <a:latin typeface="Times New Roman" panose="02020603050405020304" pitchFamily="18" charset="0"/>
+                <a:cs typeface="Times New Roman" panose="02020603050405020304" pitchFamily="18" charset="0"/>
+              </a:rPr>
+              <a:t>chưa</a:t>
+            </a:r>
+            <a:r>
+              <a:rPr lang="en-US" sz="2800" dirty="0" smtClean="0">
+                <a:latin typeface="Times New Roman" panose="02020603050405020304" pitchFamily="18" charset="0"/>
+                <a:cs typeface="Times New Roman" panose="02020603050405020304" pitchFamily="18" charset="0"/>
+              </a:rPr>
+              <a:t> </a:t>
+            </a:r>
+            <a:r>
+              <a:rPr lang="en-US" sz="2800" dirty="0" err="1" smtClean="0">
+                <a:latin typeface="Times New Roman" panose="02020603050405020304" pitchFamily="18" charset="0"/>
+                <a:cs typeface="Times New Roman" panose="02020603050405020304" pitchFamily="18" charset="0"/>
+              </a:rPr>
+              <a:t>xếp</a:t>
+            </a:r>
+            <a:r>
+              <a:rPr lang="en-US" sz="2800" dirty="0" smtClean="0">
+                <a:latin typeface="Times New Roman" panose="02020603050405020304" pitchFamily="18" charset="0"/>
+                <a:cs typeface="Times New Roman" panose="02020603050405020304" pitchFamily="18" charset="0"/>
+              </a:rPr>
+              <a:t> </a:t>
+            </a:r>
+            <a:r>
+              <a:rPr lang="en-US" sz="2800" dirty="0" err="1" smtClean="0">
+                <a:latin typeface="Times New Roman" panose="02020603050405020304" pitchFamily="18" charset="0"/>
+                <a:cs typeface="Times New Roman" panose="02020603050405020304" pitchFamily="18" charset="0"/>
+              </a:rPr>
+              <a:t>giáo</a:t>
+            </a:r>
+            <a:r>
+              <a:rPr lang="en-US" sz="2800" dirty="0" smtClean="0">
+                <a:latin typeface="Times New Roman" panose="02020603050405020304" pitchFamily="18" charset="0"/>
+                <a:cs typeface="Times New Roman" panose="02020603050405020304" pitchFamily="18" charset="0"/>
+              </a:rPr>
+              <a:t> </a:t>
+            </a:r>
+            <a:r>
+              <a:rPr lang="en-US" sz="2800" dirty="0" err="1" smtClean="0">
+                <a:latin typeface="Times New Roman" panose="02020603050405020304" pitchFamily="18" charset="0"/>
+                <a:cs typeface="Times New Roman" panose="02020603050405020304" pitchFamily="18" charset="0"/>
+              </a:rPr>
+              <a:t>viên</a:t>
+            </a:r>
+            <a:r>
+              <a:rPr lang="en-US" sz="2800" smtClean="0">
+                <a:latin typeface="Times New Roman" panose="02020603050405020304" pitchFamily="18" charset="0"/>
+                <a:cs typeface="Times New Roman" panose="02020603050405020304" pitchFamily="18" charset="0"/>
+              </a:rPr>
+              <a:t>.</a:t>
+            </a:r>
+            <a:endParaRPr lang="en-US" sz="2800" dirty="0">
               <a:latin typeface="Times New Roman" panose="02020603050405020304" pitchFamily="18" charset="0"/>
               <a:cs typeface="Times New Roman" panose="02020603050405020304" pitchFamily="18" charset="0"/>
             </a:endParaRPr>
